--- a/future-of-fintech-conference-2020-10-19.pptx
+++ b/future-of-fintech-conference-2020-10-19.pptx
@@ -534,7 +534,7 @@
       </p:grpSpPr>
       <p:sp>
         <p:nvSpPr>
-          <p:cNvPr id="210" name="Shape 210"/>
+          <p:cNvPr id="209" name="Shape 209"/>
           <p:cNvSpPr/>
           <p:nvPr>
             <p:ph type="sldImg"/>
@@ -555,7 +555,7 @@
       </p:sp>
       <p:sp>
         <p:nvSpPr>
-          <p:cNvPr id="211" name="Shape 211"/>
+          <p:cNvPr id="210" name="Shape 210"/>
           <p:cNvSpPr/>
           <p:nvPr>
             <p:ph type="body" sz="quarter" idx="1"/>
@@ -823,7 +823,7 @@
       </p:grpSpPr>
       <p:sp>
         <p:nvSpPr>
-          <p:cNvPr id="356" name="Shape 356"/>
+          <p:cNvPr id="355" name="Shape 355"/>
           <p:cNvSpPr/>
           <p:nvPr>
             <p:ph type="sldImg"/>
@@ -844,7 +844,7 @@
       </p:sp>
       <p:sp>
         <p:nvSpPr>
-          <p:cNvPr id="357" name="Shape 357"/>
+          <p:cNvPr id="356" name="Shape 356"/>
           <p:cNvSpPr/>
           <p:nvPr>
             <p:ph type="body" sz="quarter" idx="1"/>
@@ -919,7 +919,7 @@
       </p:grpSpPr>
       <p:sp>
         <p:nvSpPr>
-          <p:cNvPr id="365" name="Shape 365"/>
+          <p:cNvPr id="364" name="Shape 364"/>
           <p:cNvSpPr/>
           <p:nvPr>
             <p:ph type="sldImg"/>
@@ -940,7 +940,7 @@
       </p:sp>
       <p:sp>
         <p:nvSpPr>
-          <p:cNvPr id="366" name="Shape 366"/>
+          <p:cNvPr id="365" name="Shape 365"/>
           <p:cNvSpPr/>
           <p:nvPr>
             <p:ph type="body" sz="quarter" idx="1"/>
@@ -1015,7 +1015,7 @@
       </p:grpSpPr>
       <p:sp>
         <p:nvSpPr>
-          <p:cNvPr id="382" name="Shape 382"/>
+          <p:cNvPr id="381" name="Shape 381"/>
           <p:cNvSpPr/>
           <p:nvPr>
             <p:ph type="sldImg"/>
@@ -1036,7 +1036,7 @@
       </p:sp>
       <p:sp>
         <p:nvSpPr>
-          <p:cNvPr id="383" name="Shape 383"/>
+          <p:cNvPr id="382" name="Shape 382"/>
           <p:cNvSpPr/>
           <p:nvPr>
             <p:ph type="body" sz="quarter" idx="1"/>
@@ -1111,7 +1111,7 @@
       </p:grpSpPr>
       <p:sp>
         <p:nvSpPr>
-          <p:cNvPr id="430" name="Shape 430"/>
+          <p:cNvPr id="429" name="Shape 429"/>
           <p:cNvSpPr/>
           <p:nvPr>
             <p:ph type="sldImg"/>
@@ -1132,7 +1132,7 @@
       </p:sp>
       <p:sp>
         <p:nvSpPr>
-          <p:cNvPr id="431" name="Shape 431"/>
+          <p:cNvPr id="430" name="Shape 430"/>
           <p:cNvSpPr/>
           <p:nvPr>
             <p:ph type="body" sz="quarter" idx="1"/>
@@ -1193,7 +1193,7 @@
       </p:grpSpPr>
       <p:sp>
         <p:nvSpPr>
-          <p:cNvPr id="260" name="Shape 260"/>
+          <p:cNvPr id="259" name="Shape 259"/>
           <p:cNvSpPr/>
           <p:nvPr>
             <p:ph type="sldImg"/>
@@ -1214,7 +1214,7 @@
       </p:sp>
       <p:sp>
         <p:nvSpPr>
-          <p:cNvPr id="261" name="Shape 261"/>
+          <p:cNvPr id="260" name="Shape 260"/>
           <p:cNvSpPr/>
           <p:nvPr>
             <p:ph type="body" sz="quarter" idx="1"/>
@@ -1305,7 +1305,7 @@
       </p:grpSpPr>
       <p:sp>
         <p:nvSpPr>
-          <p:cNvPr id="285" name="Shape 285"/>
+          <p:cNvPr id="284" name="Shape 284"/>
           <p:cNvSpPr/>
           <p:nvPr>
             <p:ph type="sldImg"/>
@@ -1326,7 +1326,7 @@
       </p:sp>
       <p:sp>
         <p:nvSpPr>
-          <p:cNvPr id="286" name="Shape 286"/>
+          <p:cNvPr id="285" name="Shape 285"/>
           <p:cNvSpPr/>
           <p:nvPr>
             <p:ph type="body" sz="quarter" idx="1"/>
@@ -1446,7 +1446,7 @@
       </p:grpSpPr>
       <p:sp>
         <p:nvSpPr>
-          <p:cNvPr id="301" name="Shape 301"/>
+          <p:cNvPr id="300" name="Shape 300"/>
           <p:cNvSpPr/>
           <p:nvPr>
             <p:ph type="sldImg"/>
@@ -1467,7 +1467,7 @@
       </p:sp>
       <p:sp>
         <p:nvSpPr>
-          <p:cNvPr id="302" name="Shape 302"/>
+          <p:cNvPr id="301" name="Shape 301"/>
           <p:cNvSpPr/>
           <p:nvPr>
             <p:ph type="body" sz="quarter" idx="1"/>
@@ -1542,7 +1542,7 @@
       </p:grpSpPr>
       <p:sp>
         <p:nvSpPr>
-          <p:cNvPr id="306" name="Shape 306"/>
+          <p:cNvPr id="305" name="Shape 305"/>
           <p:cNvSpPr/>
           <p:nvPr>
             <p:ph type="sldImg"/>
@@ -1563,7 +1563,7 @@
       </p:sp>
       <p:sp>
         <p:nvSpPr>
-          <p:cNvPr id="307" name="Shape 307"/>
+          <p:cNvPr id="306" name="Shape 306"/>
           <p:cNvSpPr/>
           <p:nvPr>
             <p:ph type="body" sz="quarter" idx="1"/>
@@ -1624,7 +1624,7 @@
       </p:grpSpPr>
       <p:sp>
         <p:nvSpPr>
-          <p:cNvPr id="315" name="Shape 315"/>
+          <p:cNvPr id="314" name="Shape 314"/>
           <p:cNvSpPr/>
           <p:nvPr>
             <p:ph type="sldImg"/>
@@ -1645,7 +1645,7 @@
       </p:sp>
       <p:sp>
         <p:nvSpPr>
-          <p:cNvPr id="316" name="Shape 316"/>
+          <p:cNvPr id="315" name="Shape 315"/>
           <p:cNvSpPr/>
           <p:nvPr>
             <p:ph type="body" sz="quarter" idx="1"/>
@@ -1720,7 +1720,7 @@
       </p:grpSpPr>
       <p:sp>
         <p:nvSpPr>
-          <p:cNvPr id="320" name="Shape 320"/>
+          <p:cNvPr id="319" name="Shape 319"/>
           <p:cNvSpPr/>
           <p:nvPr>
             <p:ph type="sldImg"/>
@@ -1741,7 +1741,7 @@
       </p:sp>
       <p:sp>
         <p:nvSpPr>
-          <p:cNvPr id="321" name="Shape 321"/>
+          <p:cNvPr id="320" name="Shape 320"/>
           <p:cNvSpPr/>
           <p:nvPr>
             <p:ph type="body" sz="quarter" idx="1"/>
@@ -1802,7 +1802,7 @@
       </p:grpSpPr>
       <p:sp>
         <p:nvSpPr>
-          <p:cNvPr id="325" name="Shape 325"/>
+          <p:cNvPr id="324" name="Shape 324"/>
           <p:cNvSpPr/>
           <p:nvPr>
             <p:ph type="sldImg"/>
@@ -1823,7 +1823,7 @@
       </p:sp>
       <p:sp>
         <p:nvSpPr>
-          <p:cNvPr id="326" name="Shape 326"/>
+          <p:cNvPr id="325" name="Shape 325"/>
           <p:cNvSpPr/>
           <p:nvPr>
             <p:ph type="body" sz="quarter" idx="1"/>
@@ -1884,7 +1884,7 @@
       </p:grpSpPr>
       <p:sp>
         <p:nvSpPr>
-          <p:cNvPr id="340" name="Shape 340"/>
+          <p:cNvPr id="339" name="Shape 339"/>
           <p:cNvSpPr/>
           <p:nvPr>
             <p:ph type="sldImg"/>
@@ -1905,7 +1905,7 @@
       </p:sp>
       <p:sp>
         <p:nvSpPr>
-          <p:cNvPr id="341" name="Shape 341"/>
+          <p:cNvPr id="340" name="Shape 340"/>
           <p:cNvSpPr/>
           <p:nvPr>
             <p:ph type="body" sz="quarter" idx="1"/>
@@ -6638,14 +6638,14 @@
       </p:pic>
       <p:sp>
         <p:nvSpPr>
-          <p:cNvPr id="205" name="2020-10-19"/>
+          <p:cNvPr id="205" name="&lt; https://www.icloud.com/keynote/0eqVET8B0fmqY2TM-T1XGpPIA&gt; &lt;https://github.com/braddelong/public-files/blob/master/future-of-fintech-conference-2020-10-19.pptx&gt; 2020-10-19"/>
           <p:cNvSpPr txBox="1"/>
           <p:nvPr/>
         </p:nvSpPr>
         <p:spPr>
           <a:xfrm>
-            <a:off x="3712427" y="13075927"/>
-            <a:ext cx="20312180" cy="640073"/>
+            <a:off x="402606" y="13258449"/>
+            <a:ext cx="23622001" cy="462273"/>
           </a:xfrm>
           <a:prstGeom prst="rect">
             <a:avLst/>
@@ -6663,12 +6663,13 @@
           <a:bodyPr lIns="91436" tIns="91436" rIns="91436" bIns="91436">
             <a:spAutoFit/>
           </a:bodyPr>
-          <a:lstStyle>
-            <a:lvl1pPr algn="r" defTabSz="914400">
+          <a:lstStyle/>
+          <a:p>
+            <a:pPr algn="r" defTabSz="914400">
               <a:spcBef>
                 <a:spcPts val="1200"/>
               </a:spcBef>
-              <a:defRPr b="1" sz="3000">
+              <a:defRPr b="1" sz="1800">
                 <a:solidFill>
                   <a:srgbClr val="FFFFFF"/>
                 </a:solidFill>
@@ -6682,12 +6683,27 @@
                 <a:cs typeface="Helvetica"/>
                 <a:sym typeface="Helvetica"/>
               </a:defRPr>
-            </a:lvl1pPr>
-          </a:lstStyle>
-          <a:p>
-            <a:pPr/>
-            <a:r>
-              <a:t>2020-10-19</a:t>
+            </a:pPr>
+            <a:r>
+              <a:t>&lt; </a:t>
+            </a:r>
+            <a:r>
+              <a:rPr>
+                <a:hlinkClick r:id="rId4" invalidUrl="" action="" tgtFrame="" tooltip="" history="1" highlightClick="0" endSnd="0"/>
+              </a:rPr>
+              <a:t>https://www.icloud.com/keynote/0eqVET8B0fmqY2TM-T1XGpPIA</a:t>
+            </a:r>
+            <a:r>
+              <a:t>&gt; &lt;</a:t>
+            </a:r>
+            <a:r>
+              <a:rPr u="sng">
+                <a:hlinkClick r:id="rId5" invalidUrl="" action="" tgtFrame="" tooltip="" history="1" highlightClick="0" endSnd="0"/>
+              </a:rPr>
+              <a:t>https://github.com/braddelong/public-files/blob/master/future-of-fintech-conference-2020-10-19.pptx</a:t>
+            </a:r>
+            <a:r>
+              <a:t>&gt; 2020-10-19</a:t>
             </a:r>
           </a:p>
         </p:txBody>
@@ -6949,72 +6965,9 @@
             </a:r>
             <a:r>
               <a:rPr>
-                <a:hlinkClick r:id="rId4" invalidUrl="" action="" tgtFrame="" tooltip="" history="1" highlightClick="0" endSnd="0"/>
+                <a:hlinkClick r:id="rId6" invalidUrl="" action="" tgtFrame="" tooltip="" history="1" highlightClick="0" endSnd="0"/>
               </a:rPr>
               <a:t>delong@econ.berkeley.edu</a:t>
-            </a:r>
-          </a:p>
-        </p:txBody>
-      </p:sp>
-      <p:sp>
-        <p:nvSpPr>
-          <p:cNvPr id="209" name="&lt;https://www.icloud.com/keynote/0eqVET8B0fmqY2TM-T1XGpPIA&gt;"/>
-          <p:cNvSpPr txBox="1"/>
-          <p:nvPr/>
-        </p:nvSpPr>
-        <p:spPr>
-          <a:xfrm>
-            <a:off x="254645" y="13075927"/>
-            <a:ext cx="20312180" cy="640073"/>
-          </a:xfrm>
-          <a:prstGeom prst="rect">
-            <a:avLst/>
-          </a:prstGeom>
-          <a:ln w="12700">
-            <a:miter lim="400000"/>
-          </a:ln>
-          <a:extLst>
-            <a:ext uri="{C572A759-6A51-4108-AA02-DFA0A04FC94B}">
-              <ma14:wrappingTextBoxFlag xmlns:ma14="http://schemas.microsoft.com/office/mac/drawingml/2011/main" val="1"/>
-            </a:ext>
-          </a:extLst>
-        </p:spPr>
-        <p:txBody>
-          <a:bodyPr lIns="91436" tIns="91436" rIns="91436" bIns="91436">
-            <a:spAutoFit/>
-          </a:bodyPr>
-          <a:lstStyle/>
-          <a:p>
-            <a:pPr algn="l" defTabSz="914400">
-              <a:spcBef>
-                <a:spcPts val="1200"/>
-              </a:spcBef>
-              <a:defRPr b="1" sz="3000">
-                <a:solidFill>
-                  <a:srgbClr val="FFFFFF"/>
-                </a:solidFill>
-                <a:uFill>
-                  <a:solidFill>
-                    <a:srgbClr val="000000"/>
-                  </a:solidFill>
-                </a:uFill>
-                <a:latin typeface="Helvetica"/>
-                <a:ea typeface="Helvetica"/>
-                <a:cs typeface="Helvetica"/>
-                <a:sym typeface="Helvetica"/>
-              </a:defRPr>
-            </a:pPr>
-            <a:r>
-              <a:t>&lt;</a:t>
-            </a:r>
-            <a:r>
-              <a:rPr>
-                <a:hlinkClick r:id="rId5" invalidUrl="" action="" tgtFrame="" tooltip="" history="1" highlightClick="0" endSnd="0"/>
-              </a:rPr>
-              <a:t>https://www.icloud.com/keynote/0eqVET8B0fmqY2TM-T1XGpPIA</a:t>
-            </a:r>
-            <a:r>
-              <a:t>&gt;</a:t>
             </a:r>
           </a:p>
         </p:txBody>
@@ -7047,7 +7000,7 @@
       </p:grpSpPr>
       <p:sp>
         <p:nvSpPr>
-          <p:cNvPr id="263" name="Title 1"/>
+          <p:cNvPr id="262" name="Title 1"/>
           <p:cNvSpPr txBox="1"/>
           <p:nvPr>
             <p:ph type="title"/>
@@ -7080,7 +7033,7 @@
       </p:sp>
       <p:grpSp>
         <p:nvGrpSpPr>
-          <p:cNvPr id="269" name="Group 3"/>
+          <p:cNvPr id="268" name="Group 3"/>
           <p:cNvGrpSpPr/>
           <p:nvPr/>
         </p:nvGrpSpPr>
@@ -7094,7 +7047,7 @@
         </p:grpSpPr>
         <p:sp>
           <p:nvSpPr>
-            <p:cNvPr id="264" name="Straight Connector 4"/>
+            <p:cNvPr id="263" name="Straight Connector 4"/>
             <p:cNvSpPr/>
             <p:nvPr/>
           </p:nvSpPr>
@@ -7138,7 +7091,7 @@
         </p:sp>
         <p:sp>
           <p:nvSpPr>
-            <p:cNvPr id="265" name="Straight Connector 5"/>
+            <p:cNvPr id="264" name="Straight Connector 5"/>
             <p:cNvSpPr/>
             <p:nvPr/>
           </p:nvSpPr>
@@ -7182,7 +7135,7 @@
         </p:sp>
         <p:sp>
           <p:nvSpPr>
-            <p:cNvPr id="266" name="Text Box 2"/>
+            <p:cNvPr id="265" name="Text Box 2"/>
             <p:cNvSpPr/>
             <p:nvPr/>
           </p:nvSpPr>
@@ -7273,7 +7226,7 @@
         </p:sp>
         <p:sp>
           <p:nvSpPr>
-            <p:cNvPr id="267" name="Text Box 2"/>
+            <p:cNvPr id="266" name="Text Box 2"/>
             <p:cNvSpPr/>
             <p:nvPr/>
           </p:nvSpPr>
@@ -7364,7 +7317,7 @@
         </p:sp>
         <p:sp>
           <p:nvSpPr>
-            <p:cNvPr id="268" name="Straight Connector 9"/>
+            <p:cNvPr id="267" name="Straight Connector 9"/>
             <p:cNvSpPr/>
             <p:nvPr/>
           </p:nvSpPr>
@@ -7410,7 +7363,7 @@
       </p:grpSp>
       <p:sp>
         <p:nvSpPr>
-          <p:cNvPr id="270" name="TextBox 19"/>
+          <p:cNvPr id="269" name="TextBox 19"/>
           <p:cNvSpPr txBox="1"/>
           <p:nvPr/>
         </p:nvSpPr>
@@ -7458,7 +7411,7 @@
       </p:sp>
       <p:sp>
         <p:nvSpPr>
-          <p:cNvPr id="271" name="TextBox 10"/>
+          <p:cNvPr id="270" name="TextBox 10"/>
           <p:cNvSpPr txBox="1"/>
           <p:nvPr/>
         </p:nvSpPr>
@@ -7506,7 +7459,7 @@
       </p:sp>
       <p:sp>
         <p:nvSpPr>
-          <p:cNvPr id="272" name="TextBox 11"/>
+          <p:cNvPr id="271" name="TextBox 11"/>
           <p:cNvSpPr txBox="1"/>
           <p:nvPr/>
         </p:nvSpPr>
@@ -7554,7 +7507,7 @@
       </p:sp>
       <p:sp>
         <p:nvSpPr>
-          <p:cNvPr id="273" name="TextBox 2"/>
+          <p:cNvPr id="272" name="TextBox 2"/>
           <p:cNvSpPr txBox="1"/>
           <p:nvPr/>
         </p:nvSpPr>
@@ -7602,7 +7555,7 @@
       </p:sp>
       <p:sp>
         <p:nvSpPr>
-          <p:cNvPr id="274" name="Straight Arrow Connector 12"/>
+          <p:cNvPr id="273" name="Straight Arrow Connector 12"/>
           <p:cNvSpPr/>
           <p:nvPr/>
         </p:nvSpPr>
@@ -7641,7 +7594,7 @@
       </p:sp>
       <p:sp>
         <p:nvSpPr>
-          <p:cNvPr id="275" name="TextBox 16"/>
+          <p:cNvPr id="274" name="TextBox 16"/>
           <p:cNvSpPr txBox="1"/>
           <p:nvPr/>
         </p:nvSpPr>
@@ -7689,7 +7642,7 @@
       </p:sp>
       <p:sp>
         <p:nvSpPr>
-          <p:cNvPr id="276" name="Straight Arrow Connector 17"/>
+          <p:cNvPr id="275" name="Straight Arrow Connector 17"/>
           <p:cNvSpPr/>
           <p:nvPr/>
         </p:nvSpPr>
@@ -7728,7 +7681,7 @@
       </p:sp>
       <p:sp>
         <p:nvSpPr>
-          <p:cNvPr id="277" name="TextBox 15"/>
+          <p:cNvPr id="276" name="TextBox 15"/>
           <p:cNvSpPr txBox="1"/>
           <p:nvPr/>
         </p:nvSpPr>
@@ -7776,7 +7729,7 @@
       </p:sp>
       <p:sp>
         <p:nvSpPr>
-          <p:cNvPr id="278" name="Straight Arrow Connector 18"/>
+          <p:cNvPr id="277" name="Straight Arrow Connector 18"/>
           <p:cNvSpPr/>
           <p:nvPr/>
         </p:nvSpPr>
@@ -7815,7 +7768,7 @@
       </p:sp>
       <p:sp>
         <p:nvSpPr>
-          <p:cNvPr id="279" name="Straight Arrow Connector 20"/>
+          <p:cNvPr id="278" name="Straight Arrow Connector 20"/>
           <p:cNvSpPr/>
           <p:nvPr/>
         </p:nvSpPr>
@@ -7854,7 +7807,7 @@
       </p:sp>
       <p:sp>
         <p:nvSpPr>
-          <p:cNvPr id="280" name="TextBox 27"/>
+          <p:cNvPr id="279" name="TextBox 27"/>
           <p:cNvSpPr txBox="1"/>
           <p:nvPr/>
         </p:nvSpPr>
@@ -7902,7 +7855,7 @@
       </p:sp>
       <p:sp>
         <p:nvSpPr>
-          <p:cNvPr id="281" name="TextBox 21"/>
+          <p:cNvPr id="280" name="TextBox 21"/>
           <p:cNvSpPr txBox="1"/>
           <p:nvPr/>
         </p:nvSpPr>
@@ -7950,7 +7903,7 @@
       </p:sp>
       <p:sp>
         <p:nvSpPr>
-          <p:cNvPr id="282" name="Straight Arrow Connector 22"/>
+          <p:cNvPr id="281" name="Straight Arrow Connector 22"/>
           <p:cNvSpPr/>
           <p:nvPr/>
         </p:nvSpPr>
@@ -7989,7 +7942,7 @@
       </p:sp>
       <p:sp>
         <p:nvSpPr>
-          <p:cNvPr id="283" name="Straight Arrow Connector 24"/>
+          <p:cNvPr id="282" name="Straight Arrow Connector 24"/>
           <p:cNvSpPr/>
           <p:nvPr/>
         </p:nvSpPr>
@@ -8028,7 +7981,7 @@
       </p:sp>
       <p:sp>
         <p:nvSpPr>
-          <p:cNvPr id="284" name="TextBox 29"/>
+          <p:cNvPr id="283" name="TextBox 29"/>
           <p:cNvSpPr txBox="1"/>
           <p:nvPr/>
         </p:nvSpPr>
@@ -8102,7 +8055,7 @@
       </p:grpSpPr>
       <p:sp>
         <p:nvSpPr>
-          <p:cNvPr id="288" name="Title 1"/>
+          <p:cNvPr id="287" name="Title 1"/>
           <p:cNvSpPr txBox="1"/>
           <p:nvPr>
             <p:ph type="title"/>
@@ -8135,7 +8088,7 @@
       </p:sp>
       <p:grpSp>
         <p:nvGrpSpPr>
-          <p:cNvPr id="294" name="Group 3"/>
+          <p:cNvPr id="293" name="Group 3"/>
           <p:cNvGrpSpPr/>
           <p:nvPr/>
         </p:nvGrpSpPr>
@@ -8149,7 +8102,7 @@
         </p:grpSpPr>
         <p:sp>
           <p:nvSpPr>
-            <p:cNvPr id="289" name="Straight Connector 4"/>
+            <p:cNvPr id="288" name="Straight Connector 4"/>
             <p:cNvSpPr/>
             <p:nvPr/>
           </p:nvSpPr>
@@ -8193,7 +8146,7 @@
         </p:sp>
         <p:sp>
           <p:nvSpPr>
-            <p:cNvPr id="290" name="Straight Connector 5"/>
+            <p:cNvPr id="289" name="Straight Connector 5"/>
             <p:cNvSpPr/>
             <p:nvPr/>
           </p:nvSpPr>
@@ -8237,7 +8190,7 @@
         </p:sp>
         <p:sp>
           <p:nvSpPr>
-            <p:cNvPr id="291" name="Text Box 2"/>
+            <p:cNvPr id="290" name="Text Box 2"/>
             <p:cNvSpPr/>
             <p:nvPr/>
           </p:nvSpPr>
@@ -8328,7 +8281,7 @@
         </p:sp>
         <p:sp>
           <p:nvSpPr>
-            <p:cNvPr id="292" name="Text Box 2"/>
+            <p:cNvPr id="291" name="Text Box 2"/>
             <p:cNvSpPr/>
             <p:nvPr/>
           </p:nvSpPr>
@@ -8419,7 +8372,7 @@
         </p:sp>
         <p:sp>
           <p:nvSpPr>
-            <p:cNvPr id="293" name="Straight Connector 9"/>
+            <p:cNvPr id="292" name="Straight Connector 9"/>
             <p:cNvSpPr/>
             <p:nvPr/>
           </p:nvSpPr>
@@ -8465,7 +8418,7 @@
       </p:grpSp>
       <p:sp>
         <p:nvSpPr>
-          <p:cNvPr id="295" name="TextBox 19"/>
+          <p:cNvPr id="294" name="TextBox 19"/>
           <p:cNvSpPr txBox="1"/>
           <p:nvPr/>
         </p:nvSpPr>
@@ -8513,7 +8466,7 @@
       </p:sp>
       <p:sp>
         <p:nvSpPr>
-          <p:cNvPr id="296" name="TextBox 10"/>
+          <p:cNvPr id="295" name="TextBox 10"/>
           <p:cNvSpPr txBox="1"/>
           <p:nvPr/>
         </p:nvSpPr>
@@ -8575,7 +8528,7 @@
       </p:sp>
       <p:sp>
         <p:nvSpPr>
-          <p:cNvPr id="297" name="TextBox 11"/>
+          <p:cNvPr id="296" name="TextBox 11"/>
           <p:cNvSpPr txBox="1"/>
           <p:nvPr/>
         </p:nvSpPr>
@@ -8623,7 +8576,7 @@
       </p:sp>
       <p:sp>
         <p:nvSpPr>
-          <p:cNvPr id="298" name="Straight Connector 12"/>
+          <p:cNvPr id="297" name="Straight Connector 12"/>
           <p:cNvSpPr/>
           <p:nvPr/>
         </p:nvSpPr>
@@ -8662,7 +8615,7 @@
       </p:sp>
       <p:sp>
         <p:nvSpPr>
-          <p:cNvPr id="299" name="TextBox 20"/>
+          <p:cNvPr id="298" name="TextBox 20"/>
           <p:cNvSpPr txBox="1"/>
           <p:nvPr/>
         </p:nvSpPr>
@@ -8710,7 +8663,7 @@
       </p:sp>
       <p:sp>
         <p:nvSpPr>
-          <p:cNvPr id="300" name="Arc 17"/>
+          <p:cNvPr id="299" name="Arc 17"/>
           <p:cNvSpPr/>
           <p:nvPr/>
         </p:nvSpPr>
@@ -8809,7 +8762,7 @@
       </p:grpSpPr>
       <p:sp>
         <p:nvSpPr>
-          <p:cNvPr id="304" name="Title 3"/>
+          <p:cNvPr id="303" name="Title 3"/>
           <p:cNvSpPr txBox="1"/>
           <p:nvPr>
             <p:ph type="title"/>
@@ -8842,7 +8795,7 @@
       </p:sp>
       <p:pic>
         <p:nvPicPr>
-          <p:cNvPr id="305" name="Picture 2" descr="Picture 2"/>
+          <p:cNvPr id="304" name="Picture 2" descr="Picture 2"/>
           <p:cNvPicPr>
             <a:picLocks noChangeAspect="1"/>
           </p:cNvPicPr>
@@ -8897,7 +8850,7 @@
       </p:grpSpPr>
       <p:sp>
         <p:nvSpPr>
-          <p:cNvPr id="309" name="Title 1"/>
+          <p:cNvPr id="308" name="Title 1"/>
           <p:cNvSpPr txBox="1"/>
           <p:nvPr>
             <p:ph type="title"/>
@@ -8930,7 +8883,7 @@
       </p:sp>
       <p:sp>
         <p:nvSpPr>
-          <p:cNvPr id="310" name="Oval 5"/>
+          <p:cNvPr id="309" name="Oval 5"/>
           <p:cNvSpPr/>
           <p:nvPr/>
         </p:nvSpPr>
@@ -8968,7 +8921,7 @@
       </p:sp>
       <p:sp>
         <p:nvSpPr>
-          <p:cNvPr id="311" name="Oval 6"/>
+          <p:cNvPr id="310" name="Oval 6"/>
           <p:cNvSpPr/>
           <p:nvPr/>
         </p:nvSpPr>
@@ -9006,7 +8959,7 @@
       </p:sp>
       <p:sp>
         <p:nvSpPr>
-          <p:cNvPr id="312" name="TextBox 7"/>
+          <p:cNvPr id="311" name="TextBox 7"/>
           <p:cNvSpPr txBox="1"/>
           <p:nvPr/>
         </p:nvSpPr>
@@ -9054,7 +9007,7 @@
       </p:sp>
       <p:sp>
         <p:nvSpPr>
-          <p:cNvPr id="313" name="TextBox 8"/>
+          <p:cNvPr id="312" name="TextBox 8"/>
           <p:cNvSpPr txBox="1"/>
           <p:nvPr/>
         </p:nvSpPr>
@@ -9116,7 +9069,7 @@
       </p:sp>
       <p:sp>
         <p:nvSpPr>
-          <p:cNvPr id="314" name="TextBox 9"/>
+          <p:cNvPr id="313" name="TextBox 9"/>
           <p:cNvSpPr txBox="1"/>
           <p:nvPr/>
         </p:nvSpPr>
@@ -9204,7 +9157,7 @@
       </p:grpSpPr>
       <p:sp>
         <p:nvSpPr>
-          <p:cNvPr id="318" name="Title 1"/>
+          <p:cNvPr id="317" name="Title 1"/>
           <p:cNvSpPr txBox="1"/>
           <p:nvPr>
             <p:ph type="title"/>
@@ -9237,7 +9190,7 @@
       </p:sp>
       <p:sp>
         <p:nvSpPr>
-          <p:cNvPr id="319" name="Content Placeholder 2"/>
+          <p:cNvPr id="318" name="Content Placeholder 2"/>
           <p:cNvSpPr txBox="1"/>
           <p:nvPr>
             <p:ph type="body" idx="1"/>
@@ -9355,7 +9308,7 @@
       </p:grpSpPr>
       <p:sp>
         <p:nvSpPr>
-          <p:cNvPr id="323" name="Title 1"/>
+          <p:cNvPr id="322" name="Title 1"/>
           <p:cNvSpPr txBox="1"/>
           <p:nvPr>
             <p:ph type="title"/>
@@ -9388,7 +9341,7 @@
       </p:sp>
       <p:sp>
         <p:nvSpPr>
-          <p:cNvPr id="324" name="Content Placeholder 2"/>
+          <p:cNvPr id="323" name="Content Placeholder 2"/>
           <p:cNvSpPr txBox="1"/>
           <p:nvPr>
             <p:ph type="body" sz="half" idx="1"/>
@@ -9506,7 +9459,7 @@
       </p:grpSpPr>
       <p:sp>
         <p:nvSpPr>
-          <p:cNvPr id="328" name="Title 1"/>
+          <p:cNvPr id="327" name="Title 1"/>
           <p:cNvSpPr txBox="1"/>
           <p:nvPr>
             <p:ph type="title"/>
@@ -9539,7 +9492,7 @@
       </p:sp>
       <p:grpSp>
         <p:nvGrpSpPr>
-          <p:cNvPr id="336" name="Group 4"/>
+          <p:cNvPr id="335" name="Group 4"/>
           <p:cNvGrpSpPr/>
           <p:nvPr/>
         </p:nvGrpSpPr>
@@ -9553,7 +9506,7 @@
         </p:grpSpPr>
         <p:sp>
           <p:nvSpPr>
-            <p:cNvPr id="329" name="Straight Connector 5"/>
+            <p:cNvPr id="328" name="Straight Connector 5"/>
             <p:cNvSpPr/>
             <p:nvPr/>
           </p:nvSpPr>
@@ -9597,7 +9550,7 @@
         </p:sp>
         <p:sp>
           <p:nvSpPr>
-            <p:cNvPr id="330" name="Straight Connector 6"/>
+            <p:cNvPr id="329" name="Straight Connector 6"/>
             <p:cNvSpPr/>
             <p:nvPr/>
           </p:nvSpPr>
@@ -9641,7 +9594,7 @@
         </p:sp>
         <p:sp>
           <p:nvSpPr>
-            <p:cNvPr id="331" name="Text Box 2"/>
+            <p:cNvPr id="330" name="Text Box 2"/>
             <p:cNvSpPr/>
             <p:nvPr/>
           </p:nvSpPr>
@@ -9732,7 +9685,7 @@
         </p:sp>
         <p:sp>
           <p:nvSpPr>
-            <p:cNvPr id="332" name="Text Box 2"/>
+            <p:cNvPr id="331" name="Text Box 2"/>
             <p:cNvSpPr/>
             <p:nvPr/>
           </p:nvSpPr>
@@ -9823,7 +9776,7 @@
         </p:sp>
         <p:sp>
           <p:nvSpPr>
-            <p:cNvPr id="333" name="Straight Arrow Connector 9"/>
+            <p:cNvPr id="332" name="Straight Arrow Connector 9"/>
             <p:cNvSpPr/>
             <p:nvPr/>
           </p:nvSpPr>
@@ -9868,7 +9821,7 @@
         </p:sp>
         <p:sp>
           <p:nvSpPr>
-            <p:cNvPr id="334" name="Straight Connector 10"/>
+            <p:cNvPr id="333" name="Straight Connector 10"/>
             <p:cNvSpPr/>
             <p:nvPr/>
           </p:nvSpPr>
@@ -9913,7 +9866,7 @@
         </p:sp>
         <p:sp>
           <p:nvSpPr>
-            <p:cNvPr id="335" name="Straight Connector 11"/>
+            <p:cNvPr id="334" name="Straight Connector 11"/>
             <p:cNvSpPr/>
             <p:nvPr/>
           </p:nvSpPr>
@@ -9960,7 +9913,7 @@
       </p:grpSp>
       <p:sp>
         <p:nvSpPr>
-          <p:cNvPr id="337" name="Text Box 306"/>
+          <p:cNvPr id="336" name="Text Box 306"/>
           <p:cNvSpPr txBox="1"/>
           <p:nvPr/>
         </p:nvSpPr>
@@ -10014,7 +9967,7 @@
       </p:sp>
       <p:sp>
         <p:nvSpPr>
-          <p:cNvPr id="338" name="Text Box 307"/>
+          <p:cNvPr id="337" name="Text Box 307"/>
           <p:cNvSpPr txBox="1"/>
           <p:nvPr/>
         </p:nvSpPr>
@@ -10068,7 +10021,7 @@
       </p:sp>
       <p:sp>
         <p:nvSpPr>
-          <p:cNvPr id="339" name="Text Box 306"/>
+          <p:cNvPr id="338" name="Text Box 306"/>
           <p:cNvSpPr txBox="1"/>
           <p:nvPr/>
         </p:nvSpPr>
@@ -10148,7 +10101,7 @@
       </p:grpSpPr>
       <p:sp>
         <p:nvSpPr>
-          <p:cNvPr id="343" name="Title 1"/>
+          <p:cNvPr id="342" name="Title 1"/>
           <p:cNvSpPr txBox="1"/>
           <p:nvPr>
             <p:ph type="title"/>
@@ -10202,7 +10155,7 @@
       </p:grpSpPr>
       <p:sp>
         <p:nvSpPr>
-          <p:cNvPr id="345" name="Title 1"/>
+          <p:cNvPr id="344" name="Title 1"/>
           <p:cNvSpPr txBox="1"/>
           <p:nvPr>
             <p:ph type="title"/>
@@ -10235,7 +10188,7 @@
       </p:sp>
       <p:grpSp>
         <p:nvGrpSpPr>
-          <p:cNvPr id="352" name="Group 4"/>
+          <p:cNvPr id="351" name="Group 4"/>
           <p:cNvGrpSpPr/>
           <p:nvPr/>
         </p:nvGrpSpPr>
@@ -10249,7 +10202,7 @@
         </p:grpSpPr>
         <p:sp>
           <p:nvSpPr>
-            <p:cNvPr id="346" name="Straight Connector 5"/>
+            <p:cNvPr id="345" name="Straight Connector 5"/>
             <p:cNvSpPr/>
             <p:nvPr/>
           </p:nvSpPr>
@@ -10293,7 +10246,7 @@
         </p:sp>
         <p:sp>
           <p:nvSpPr>
-            <p:cNvPr id="347" name="Straight Connector 6"/>
+            <p:cNvPr id="346" name="Straight Connector 6"/>
             <p:cNvSpPr/>
             <p:nvPr/>
           </p:nvSpPr>
@@ -10337,7 +10290,7 @@
         </p:sp>
         <p:sp>
           <p:nvSpPr>
-            <p:cNvPr id="348" name="Text Box 2"/>
+            <p:cNvPr id="347" name="Text Box 2"/>
             <p:cNvSpPr/>
             <p:nvPr/>
           </p:nvSpPr>
@@ -10428,7 +10381,7 @@
         </p:sp>
         <p:sp>
           <p:nvSpPr>
-            <p:cNvPr id="349" name="Text Box 2"/>
+            <p:cNvPr id="348" name="Text Box 2"/>
             <p:cNvSpPr/>
             <p:nvPr/>
           </p:nvSpPr>
@@ -10519,7 +10472,7 @@
         </p:sp>
         <p:sp>
           <p:nvSpPr>
-            <p:cNvPr id="350" name="Straight Arrow Connector 9"/>
+            <p:cNvPr id="349" name="Straight Arrow Connector 9"/>
             <p:cNvSpPr/>
             <p:nvPr/>
           </p:nvSpPr>
@@ -10564,7 +10517,7 @@
         </p:sp>
         <p:sp>
           <p:nvSpPr>
-            <p:cNvPr id="351" name="Straight Connector 10"/>
+            <p:cNvPr id="350" name="Straight Connector 10"/>
             <p:cNvSpPr/>
             <p:nvPr/>
           </p:nvSpPr>
@@ -10610,7 +10563,7 @@
       </p:grpSp>
       <p:sp>
         <p:nvSpPr>
-          <p:cNvPr id="353" name="Text Box 306"/>
+          <p:cNvPr id="352" name="Text Box 306"/>
           <p:cNvSpPr txBox="1"/>
           <p:nvPr/>
         </p:nvSpPr>
@@ -10664,7 +10617,7 @@
       </p:sp>
       <p:sp>
         <p:nvSpPr>
-          <p:cNvPr id="354" name="Text Box 307"/>
+          <p:cNvPr id="353" name="Text Box 307"/>
           <p:cNvSpPr txBox="1"/>
           <p:nvPr/>
         </p:nvSpPr>
@@ -10718,7 +10671,7 @@
       </p:sp>
       <p:sp>
         <p:nvSpPr>
-          <p:cNvPr id="355" name="Text Box 307"/>
+          <p:cNvPr id="354" name="Text Box 307"/>
           <p:cNvSpPr txBox="1"/>
           <p:nvPr/>
         </p:nvSpPr>
@@ -10798,7 +10751,7 @@
       </p:grpSpPr>
       <p:sp>
         <p:nvSpPr>
-          <p:cNvPr id="359" name="Title 1"/>
+          <p:cNvPr id="358" name="Title 1"/>
           <p:cNvSpPr txBox="1"/>
           <p:nvPr>
             <p:ph type="title"/>
@@ -10831,7 +10784,7 @@
       </p:sp>
       <p:sp>
         <p:nvSpPr>
-          <p:cNvPr id="360" name="Oval 5"/>
+          <p:cNvPr id="359" name="Oval 5"/>
           <p:cNvSpPr/>
           <p:nvPr/>
         </p:nvSpPr>
@@ -10869,7 +10822,7 @@
       </p:sp>
       <p:sp>
         <p:nvSpPr>
-          <p:cNvPr id="361" name="Oval 6"/>
+          <p:cNvPr id="360" name="Oval 6"/>
           <p:cNvSpPr/>
           <p:nvPr/>
         </p:nvSpPr>
@@ -10907,7 +10860,7 @@
       </p:sp>
       <p:sp>
         <p:nvSpPr>
-          <p:cNvPr id="362" name="TextBox 7"/>
+          <p:cNvPr id="361" name="TextBox 7"/>
           <p:cNvSpPr txBox="1"/>
           <p:nvPr/>
         </p:nvSpPr>
@@ -10955,7 +10908,7 @@
       </p:sp>
       <p:sp>
         <p:nvSpPr>
-          <p:cNvPr id="363" name="TextBox 8"/>
+          <p:cNvPr id="362" name="TextBox 8"/>
           <p:cNvSpPr txBox="1"/>
           <p:nvPr/>
         </p:nvSpPr>
@@ -11017,7 +10970,7 @@
       </p:sp>
       <p:sp>
         <p:nvSpPr>
-          <p:cNvPr id="364" name="TextBox 9"/>
+          <p:cNvPr id="363" name="TextBox 9"/>
           <p:cNvSpPr txBox="1"/>
           <p:nvPr/>
         </p:nvSpPr>
@@ -11091,7 +11044,7 @@
       </p:grpSpPr>
       <p:pic>
         <p:nvPicPr>
-          <p:cNvPr id="213" name="delong-this-is-fine.png" descr="delong-this-is-fine.png"/>
+          <p:cNvPr id="212" name="delong-this-is-fine.png" descr="delong-this-is-fine.png"/>
           <p:cNvPicPr>
             <a:picLocks noChangeAspect="1"/>
           </p:cNvPicPr>
@@ -11122,7 +11075,7 @@
       </p:pic>
       <p:sp>
         <p:nvSpPr>
-          <p:cNvPr id="214" name="2020-10-19"/>
+          <p:cNvPr id="213" name="2020-10-19"/>
           <p:cNvSpPr txBox="1"/>
           <p:nvPr/>
         </p:nvSpPr>
@@ -11178,7 +11131,7 @@
       </p:sp>
       <p:sp>
         <p:nvSpPr>
-          <p:cNvPr id="215" name="The long 20th century will in all likelihood be seen in the future as the watershed in human experience:…"/>
+          <p:cNvPr id="214" name="The long 20th century will in all likelihood be seen in the future as the watershed in human experience:…"/>
           <p:cNvSpPr txBox="1"/>
           <p:nvPr/>
         </p:nvSpPr>
@@ -11309,7 +11262,7 @@
       </p:sp>
       <p:sp>
         <p:nvSpPr>
-          <p:cNvPr id="216" name="Future of Fintech: History II"/>
+          <p:cNvPr id="215" name="Future of Fintech: History II"/>
           <p:cNvSpPr txBox="1"/>
           <p:nvPr>
             <p:ph type="title"/>
@@ -11357,7 +11310,7 @@
       </p:sp>
       <p:sp>
         <p:nvSpPr>
-          <p:cNvPr id="217" name="Brad DeLong delong@econ.berkeley.edu"/>
+          <p:cNvPr id="216" name="Brad DeLong delong@econ.berkeley.edu"/>
           <p:cNvSpPr txBox="1"/>
           <p:nvPr/>
         </p:nvSpPr>
@@ -11443,7 +11396,7 @@
       </p:grpSpPr>
       <p:sp>
         <p:nvSpPr>
-          <p:cNvPr id="368" name="Title 1"/>
+          <p:cNvPr id="367" name="Title 1"/>
           <p:cNvSpPr txBox="1"/>
           <p:nvPr>
             <p:ph type="title"/>
@@ -11476,7 +11429,7 @@
       </p:sp>
       <p:grpSp>
         <p:nvGrpSpPr>
-          <p:cNvPr id="375" name="Group 4"/>
+          <p:cNvPr id="374" name="Group 4"/>
           <p:cNvGrpSpPr/>
           <p:nvPr/>
         </p:nvGrpSpPr>
@@ -11490,7 +11443,7 @@
         </p:grpSpPr>
         <p:sp>
           <p:nvSpPr>
-            <p:cNvPr id="369" name="Straight Connector 5"/>
+            <p:cNvPr id="368" name="Straight Connector 5"/>
             <p:cNvSpPr/>
             <p:nvPr/>
           </p:nvSpPr>
@@ -11534,7 +11487,7 @@
         </p:sp>
         <p:sp>
           <p:nvSpPr>
-            <p:cNvPr id="370" name="Straight Connector 6"/>
+            <p:cNvPr id="369" name="Straight Connector 6"/>
             <p:cNvSpPr/>
             <p:nvPr/>
           </p:nvSpPr>
@@ -11578,7 +11531,7 @@
         </p:sp>
         <p:sp>
           <p:nvSpPr>
-            <p:cNvPr id="371" name="Text Box 2"/>
+            <p:cNvPr id="370" name="Text Box 2"/>
             <p:cNvSpPr/>
             <p:nvPr/>
           </p:nvSpPr>
@@ -11669,7 +11622,7 @@
         </p:sp>
         <p:sp>
           <p:nvSpPr>
-            <p:cNvPr id="372" name="Text Box 2"/>
+            <p:cNvPr id="371" name="Text Box 2"/>
             <p:cNvSpPr/>
             <p:nvPr/>
           </p:nvSpPr>
@@ -11760,7 +11713,7 @@
         </p:sp>
         <p:sp>
           <p:nvSpPr>
-            <p:cNvPr id="373" name="Straight Arrow Connector 9"/>
+            <p:cNvPr id="372" name="Straight Arrow Connector 9"/>
             <p:cNvSpPr/>
             <p:nvPr/>
           </p:nvSpPr>
@@ -11805,7 +11758,7 @@
         </p:sp>
         <p:sp>
           <p:nvSpPr>
-            <p:cNvPr id="374" name="Straight Connector 10"/>
+            <p:cNvPr id="373" name="Straight Connector 10"/>
             <p:cNvSpPr/>
             <p:nvPr/>
           </p:nvSpPr>
@@ -11851,7 +11804,7 @@
       </p:grpSp>
       <p:sp>
         <p:nvSpPr>
-          <p:cNvPr id="376" name="Text Box 306"/>
+          <p:cNvPr id="375" name="Text Box 306"/>
           <p:cNvSpPr txBox="1"/>
           <p:nvPr/>
         </p:nvSpPr>
@@ -11905,7 +11858,7 @@
       </p:sp>
       <p:sp>
         <p:nvSpPr>
-          <p:cNvPr id="377" name="Text Box 307"/>
+          <p:cNvPr id="376" name="Text Box 307"/>
           <p:cNvSpPr txBox="1"/>
           <p:nvPr/>
         </p:nvSpPr>
@@ -11959,7 +11912,7 @@
       </p:sp>
       <p:sp>
         <p:nvSpPr>
-          <p:cNvPr id="378" name="Text Box 307"/>
+          <p:cNvPr id="377" name="Text Box 307"/>
           <p:cNvSpPr txBox="1"/>
           <p:nvPr/>
         </p:nvSpPr>
@@ -12013,7 +11966,7 @@
       </p:sp>
       <p:sp>
         <p:nvSpPr>
-          <p:cNvPr id="379" name="Text Box 307"/>
+          <p:cNvPr id="378" name="Text Box 307"/>
           <p:cNvSpPr txBox="1"/>
           <p:nvPr/>
         </p:nvSpPr>
@@ -12067,7 +12020,7 @@
       </p:sp>
       <p:sp>
         <p:nvSpPr>
-          <p:cNvPr id="380" name="Freeform: Shape 20"/>
+          <p:cNvPr id="379" name="Freeform: Shape 20"/>
           <p:cNvSpPr/>
           <p:nvPr/>
         </p:nvSpPr>
@@ -12140,7 +12093,7 @@
       </p:sp>
       <p:sp>
         <p:nvSpPr>
-          <p:cNvPr id="381" name="Text Box 307"/>
+          <p:cNvPr id="380" name="Text Box 307"/>
           <p:cNvSpPr txBox="1"/>
           <p:nvPr/>
         </p:nvSpPr>
@@ -12240,7 +12193,7 @@
       </p:grpSpPr>
       <p:sp>
         <p:nvSpPr>
-          <p:cNvPr id="385" name="Title 6"/>
+          <p:cNvPr id="384" name="Title 6"/>
           <p:cNvSpPr txBox="1"/>
           <p:nvPr>
             <p:ph type="title"/>
@@ -12273,7 +12226,7 @@
       </p:sp>
       <p:grpSp>
         <p:nvGrpSpPr>
-          <p:cNvPr id="429" name="Content Placeholder 4"/>
+          <p:cNvPr id="428" name="Content Placeholder 4"/>
           <p:cNvGrpSpPr/>
           <p:nvPr/>
         </p:nvGrpSpPr>
@@ -12287,7 +12240,7 @@
         </p:grpSpPr>
         <p:sp>
           <p:nvSpPr>
-            <p:cNvPr id="386" name="Line"/>
+            <p:cNvPr id="385" name="Line"/>
             <p:cNvSpPr/>
             <p:nvPr/>
           </p:nvSpPr>
@@ -12332,7 +12285,7 @@
         </p:sp>
         <p:grpSp>
           <p:nvGrpSpPr>
-            <p:cNvPr id="389" name="Group"/>
+            <p:cNvPr id="388" name="Group"/>
             <p:cNvGrpSpPr/>
             <p:nvPr/>
           </p:nvGrpSpPr>
@@ -12346,7 +12299,7 @@
           </p:grpSpPr>
           <p:sp>
             <p:nvSpPr>
-              <p:cNvPr id="387" name="Rectangle"/>
+              <p:cNvPr id="386" name="Rectangle"/>
               <p:cNvSpPr/>
               <p:nvPr/>
             </p:nvSpPr>
@@ -12398,7 +12351,7 @@
           </p:sp>
           <p:sp>
             <p:nvSpPr>
-              <p:cNvPr id="388" name="National Banking Act: 1863"/>
+              <p:cNvPr id="387" name="National Banking Act: 1863"/>
               <p:cNvSpPr/>
               <p:nvPr/>
             </p:nvSpPr>
@@ -12490,7 +12443,7 @@
         </p:grpSp>
         <p:sp>
           <p:nvSpPr>
-            <p:cNvPr id="390" name="Line"/>
+            <p:cNvPr id="389" name="Line"/>
             <p:cNvSpPr/>
             <p:nvPr/>
           </p:nvSpPr>
@@ -12535,7 +12488,7 @@
         </p:sp>
         <p:grpSp>
           <p:nvGrpSpPr>
-            <p:cNvPr id="393" name="Group"/>
+            <p:cNvPr id="392" name="Group"/>
             <p:cNvGrpSpPr/>
             <p:nvPr/>
           </p:nvGrpSpPr>
@@ -12549,7 +12502,7 @@
           </p:grpSpPr>
           <p:sp>
             <p:nvSpPr>
-              <p:cNvPr id="391" name="Rectangle"/>
+              <p:cNvPr id="390" name="Rectangle"/>
               <p:cNvSpPr/>
               <p:nvPr/>
             </p:nvSpPr>
@@ -12598,7 +12551,7 @@
           </p:sp>
           <p:sp>
             <p:nvSpPr>
-              <p:cNvPr id="392" name="Trusts"/>
+              <p:cNvPr id="391" name="Trusts"/>
               <p:cNvSpPr/>
               <p:nvPr/>
             </p:nvSpPr>
@@ -12690,7 +12643,7 @@
         </p:grpSp>
         <p:sp>
           <p:nvSpPr>
-            <p:cNvPr id="394" name="Line"/>
+            <p:cNvPr id="393" name="Line"/>
             <p:cNvSpPr/>
             <p:nvPr/>
           </p:nvSpPr>
@@ -12774,7 +12727,7 @@
         </p:sp>
         <p:grpSp>
           <p:nvGrpSpPr>
-            <p:cNvPr id="397" name="Group"/>
+            <p:cNvPr id="396" name="Group"/>
             <p:cNvGrpSpPr/>
             <p:nvPr/>
           </p:nvGrpSpPr>
@@ -12788,7 +12741,7 @@
           </p:grpSpPr>
           <p:sp>
             <p:nvSpPr>
-              <p:cNvPr id="395" name="Rectangle"/>
+              <p:cNvPr id="394" name="Rectangle"/>
               <p:cNvSpPr/>
               <p:nvPr/>
             </p:nvSpPr>
@@ -12840,7 +12793,7 @@
           </p:sp>
           <p:sp>
             <p:nvSpPr>
-              <p:cNvPr id="396" name="Panic of 1907"/>
+              <p:cNvPr id="395" name="Panic of 1907"/>
               <p:cNvSpPr/>
               <p:nvPr/>
             </p:nvSpPr>
@@ -12932,7 +12885,7 @@
         </p:grpSp>
         <p:sp>
           <p:nvSpPr>
-            <p:cNvPr id="398" name="Line"/>
+            <p:cNvPr id="397" name="Line"/>
             <p:cNvSpPr/>
             <p:nvPr/>
           </p:nvSpPr>
@@ -12977,7 +12930,7 @@
         </p:sp>
         <p:grpSp>
           <p:nvGrpSpPr>
-            <p:cNvPr id="401" name="Group"/>
+            <p:cNvPr id="400" name="Group"/>
             <p:cNvGrpSpPr/>
             <p:nvPr/>
           </p:nvGrpSpPr>
@@ -12991,7 +12944,7 @@
           </p:grpSpPr>
           <p:sp>
             <p:nvSpPr>
-              <p:cNvPr id="399" name="Rectangle"/>
+              <p:cNvPr id="398" name="Rectangle"/>
               <p:cNvSpPr/>
               <p:nvPr/>
             </p:nvSpPr>
@@ -13043,7 +12996,7 @@
           </p:sp>
           <p:sp>
             <p:nvSpPr>
-              <p:cNvPr id="400" name="Federal Reserve Act: 1913"/>
+              <p:cNvPr id="399" name="Federal Reserve Act: 1913"/>
               <p:cNvSpPr/>
               <p:nvPr/>
             </p:nvSpPr>
@@ -13135,7 +13088,7 @@
         </p:grpSp>
         <p:sp>
           <p:nvSpPr>
-            <p:cNvPr id="402" name="Line"/>
+            <p:cNvPr id="401" name="Line"/>
             <p:cNvSpPr/>
             <p:nvPr/>
           </p:nvSpPr>
@@ -13180,7 +13133,7 @@
         </p:sp>
         <p:grpSp>
           <p:nvGrpSpPr>
-            <p:cNvPr id="405" name="Group"/>
+            <p:cNvPr id="404" name="Group"/>
             <p:cNvGrpSpPr/>
             <p:nvPr/>
           </p:nvGrpSpPr>
@@ -13194,7 +13147,7 @@
           </p:grpSpPr>
           <p:sp>
             <p:nvSpPr>
-              <p:cNvPr id="403" name="Rectangle"/>
+              <p:cNvPr id="402" name="Rectangle"/>
               <p:cNvSpPr/>
               <p:nvPr/>
             </p:nvSpPr>
@@ -13243,7 +13196,7 @@
           </p:sp>
           <p:sp>
             <p:nvSpPr>
-              <p:cNvPr id="404" name="State Banks"/>
+              <p:cNvPr id="403" name="State Banks"/>
               <p:cNvSpPr/>
               <p:nvPr/>
             </p:nvSpPr>
@@ -13335,7 +13288,7 @@
         </p:grpSp>
         <p:sp>
           <p:nvSpPr>
-            <p:cNvPr id="406" name="Line"/>
+            <p:cNvPr id="405" name="Line"/>
             <p:cNvSpPr/>
             <p:nvPr/>
           </p:nvSpPr>
@@ -13419,7 +13372,7 @@
         </p:sp>
         <p:grpSp>
           <p:nvGrpSpPr>
-            <p:cNvPr id="409" name="Group"/>
+            <p:cNvPr id="408" name="Group"/>
             <p:cNvGrpSpPr/>
             <p:nvPr/>
           </p:nvGrpSpPr>
@@ -13433,7 +13386,7 @@
           </p:grpSpPr>
           <p:sp>
             <p:nvSpPr>
-              <p:cNvPr id="407" name="Rectangle"/>
+              <p:cNvPr id="406" name="Rectangle"/>
               <p:cNvSpPr/>
               <p:nvPr/>
             </p:nvSpPr>
@@ -13485,7 +13438,7 @@
           </p:sp>
           <p:sp>
             <p:nvSpPr>
-              <p:cNvPr id="408" name="Great Contraction: 1929-1933"/>
+              <p:cNvPr id="407" name="Great Contraction: 1929-1933"/>
               <p:cNvSpPr/>
               <p:nvPr/>
             </p:nvSpPr>
@@ -13577,7 +13530,7 @@
         </p:grpSp>
         <p:sp>
           <p:nvSpPr>
-            <p:cNvPr id="410" name="Line"/>
+            <p:cNvPr id="409" name="Line"/>
             <p:cNvSpPr/>
             <p:nvPr/>
           </p:nvSpPr>
@@ -13622,7 +13575,7 @@
         </p:sp>
         <p:grpSp>
           <p:nvGrpSpPr>
-            <p:cNvPr id="413" name="Group"/>
+            <p:cNvPr id="412" name="Group"/>
             <p:cNvGrpSpPr/>
             <p:nvPr/>
           </p:nvGrpSpPr>
@@ -13636,7 +13589,7 @@
           </p:grpSpPr>
           <p:sp>
             <p:nvSpPr>
-              <p:cNvPr id="411" name="Rectangle"/>
+              <p:cNvPr id="410" name="Rectangle"/>
               <p:cNvSpPr/>
               <p:nvPr/>
             </p:nvSpPr>
@@ -13688,7 +13641,7 @@
           </p:sp>
           <p:sp>
             <p:nvSpPr>
-              <p:cNvPr id="412" name="Banking Act 1933: FDIC"/>
+              <p:cNvPr id="411" name="Banking Act 1933: FDIC"/>
               <p:cNvSpPr/>
               <p:nvPr/>
             </p:nvSpPr>
@@ -13780,7 +13733,7 @@
         </p:grpSp>
         <p:sp>
           <p:nvSpPr>
-            <p:cNvPr id="414" name="Line"/>
+            <p:cNvPr id="413" name="Line"/>
             <p:cNvSpPr/>
             <p:nvPr/>
           </p:nvSpPr>
@@ -13825,7 +13778,7 @@
         </p:sp>
         <p:grpSp>
           <p:nvGrpSpPr>
-            <p:cNvPr id="417" name="Group"/>
+            <p:cNvPr id="416" name="Group"/>
             <p:cNvGrpSpPr/>
             <p:nvPr/>
           </p:nvGrpSpPr>
@@ -13839,7 +13792,7 @@
           </p:grpSpPr>
           <p:sp>
             <p:nvSpPr>
-              <p:cNvPr id="415" name="Rectangle"/>
+              <p:cNvPr id="414" name="Rectangle"/>
               <p:cNvSpPr/>
               <p:nvPr/>
             </p:nvSpPr>
@@ -13888,7 +13841,7 @@
           </p:sp>
           <p:sp>
             <p:nvSpPr>
-              <p:cNvPr id="416" name="Shadow Banks"/>
+              <p:cNvPr id="415" name="Shadow Banks"/>
               <p:cNvSpPr/>
               <p:nvPr/>
             </p:nvSpPr>
@@ -13980,7 +13933,7 @@
         </p:grpSp>
         <p:sp>
           <p:nvSpPr>
-            <p:cNvPr id="418" name="Line"/>
+            <p:cNvPr id="417" name="Line"/>
             <p:cNvSpPr/>
             <p:nvPr/>
           </p:nvSpPr>
@@ -14064,7 +14017,7 @@
         </p:sp>
         <p:grpSp>
           <p:nvGrpSpPr>
-            <p:cNvPr id="421" name="Group"/>
+            <p:cNvPr id="420" name="Group"/>
             <p:cNvGrpSpPr/>
             <p:nvPr/>
           </p:nvGrpSpPr>
@@ -14078,7 +14031,7 @@
           </p:grpSpPr>
           <p:sp>
             <p:nvSpPr>
-              <p:cNvPr id="419" name="Rectangle"/>
+              <p:cNvPr id="418" name="Rectangle"/>
               <p:cNvSpPr/>
               <p:nvPr/>
             </p:nvSpPr>
@@ -14130,7 +14083,7 @@
           </p:sp>
           <p:sp>
             <p:nvSpPr>
-              <p:cNvPr id="420" name="Panic of 2008"/>
+              <p:cNvPr id="419" name="Panic of 2008"/>
               <p:cNvSpPr/>
               <p:nvPr/>
             </p:nvSpPr>
@@ -14222,7 +14175,7 @@
         </p:grpSp>
         <p:sp>
           <p:nvSpPr>
-            <p:cNvPr id="422" name="Line"/>
+            <p:cNvPr id="421" name="Line"/>
             <p:cNvSpPr/>
             <p:nvPr/>
           </p:nvSpPr>
@@ -14267,7 +14220,7 @@
         </p:sp>
         <p:grpSp>
           <p:nvGrpSpPr>
-            <p:cNvPr id="425" name="Group"/>
+            <p:cNvPr id="424" name="Group"/>
             <p:cNvGrpSpPr/>
             <p:nvPr/>
           </p:nvGrpSpPr>
@@ -14281,7 +14234,7 @@
           </p:grpSpPr>
           <p:sp>
             <p:nvSpPr>
-              <p:cNvPr id="423" name="Rectangle"/>
+              <p:cNvPr id="422" name="Rectangle"/>
               <p:cNvSpPr/>
               <p:nvPr/>
             </p:nvSpPr>
@@ -14333,7 +14286,7 @@
           </p:sp>
           <p:sp>
             <p:nvSpPr>
-              <p:cNvPr id="424" name="Dodd-Frank Act: 2010"/>
+              <p:cNvPr id="423" name="Dodd-Frank Act: 2010"/>
               <p:cNvSpPr/>
               <p:nvPr/>
             </p:nvSpPr>
@@ -14425,7 +14378,7 @@
         </p:grpSp>
         <p:grpSp>
           <p:nvGrpSpPr>
-            <p:cNvPr id="428" name="Group"/>
+            <p:cNvPr id="427" name="Group"/>
             <p:cNvGrpSpPr/>
             <p:nvPr/>
           </p:nvGrpSpPr>
@@ -14439,7 +14392,7 @@
           </p:grpSpPr>
           <p:sp>
             <p:nvSpPr>
-              <p:cNvPr id="426" name="Rectangle"/>
+              <p:cNvPr id="425" name="Rectangle"/>
               <p:cNvSpPr/>
               <p:nvPr/>
             </p:nvSpPr>
@@ -14488,7 +14441,7 @@
           </p:sp>
           <p:sp>
             <p:nvSpPr>
-              <p:cNvPr id="427" name="Fintech?"/>
+              <p:cNvPr id="426" name="Fintech?"/>
               <p:cNvSpPr/>
               <p:nvPr/>
             </p:nvSpPr>
@@ -14607,7 +14560,7 @@
       </p:grpSpPr>
       <p:sp>
         <p:nvSpPr>
-          <p:cNvPr id="433" name="Title 1"/>
+          <p:cNvPr id="432" name="Title 1"/>
           <p:cNvSpPr txBox="1"/>
           <p:nvPr>
             <p:ph type="title"/>
@@ -14640,7 +14593,7 @@
       </p:sp>
       <p:sp>
         <p:nvSpPr>
-          <p:cNvPr id="434" name="Content Placeholder 2"/>
+          <p:cNvPr id="433" name="Content Placeholder 2"/>
           <p:cNvSpPr txBox="1"/>
           <p:nvPr>
             <p:ph type="body" sz="half" idx="1"/>
@@ -14787,7 +14740,7 @@
       </p:grpSpPr>
       <p:sp>
         <p:nvSpPr>
-          <p:cNvPr id="436" name="About the Course"/>
+          <p:cNvPr id="435" name="About the Course"/>
           <p:cNvSpPr txBox="1"/>
           <p:nvPr>
             <p:ph type="title" idx="4294967295"/>
@@ -14835,7 +14788,7 @@
       </p:sp>
       <p:sp>
         <p:nvSpPr>
-          <p:cNvPr id="437" name="The long 20th century will in all likelihood be seen in the future as the watershed in human experience:…"/>
+          <p:cNvPr id="436" name="The long 20th century will in all likelihood be seen in the future as the watershed in human experience:…"/>
           <p:cNvSpPr txBox="1"/>
           <p:nvPr>
             <p:ph type="body" idx="4294967295"/>
@@ -15114,7 +15067,7 @@
       </p:sp>
       <p:pic>
         <p:nvPicPr>
-          <p:cNvPr id="438" name="Image" descr="Image"/>
+          <p:cNvPr id="437" name="Image" descr="Image"/>
           <p:cNvPicPr>
             <a:picLocks noChangeAspect="1"/>
           </p:cNvPicPr>
@@ -15169,7 +15122,7 @@
       </p:grpSpPr>
       <p:pic>
         <p:nvPicPr>
-          <p:cNvPr id="440" name="delong-this-is-fine.png" descr="delong-this-is-fine.png"/>
+          <p:cNvPr id="439" name="delong-this-is-fine.png" descr="delong-this-is-fine.png"/>
           <p:cNvPicPr>
             <a:picLocks noChangeAspect="1"/>
           </p:cNvPicPr>
@@ -15225,7 +15178,7 @@
       </p:grpSpPr>
       <p:sp>
         <p:nvSpPr>
-          <p:cNvPr id="442" name="About the Course"/>
+          <p:cNvPr id="441" name="About the Course"/>
           <p:cNvSpPr txBox="1"/>
           <p:nvPr>
             <p:ph type="title" idx="4294967295"/>
@@ -15299,7 +15252,7 @@
       </p:grpSpPr>
       <p:pic>
         <p:nvPicPr>
-          <p:cNvPr id="219" name="delong-this-is-fine.png" descr="delong-this-is-fine.png"/>
+          <p:cNvPr id="218" name="delong-this-is-fine.png" descr="delong-this-is-fine.png"/>
           <p:cNvPicPr>
             <a:picLocks noChangeAspect="1"/>
           </p:cNvPicPr>
@@ -15330,7 +15283,7 @@
       </p:pic>
       <p:sp>
         <p:nvSpPr>
-          <p:cNvPr id="220" name="2020-10-19"/>
+          <p:cNvPr id="219" name="2020-10-19"/>
           <p:cNvSpPr txBox="1"/>
           <p:nvPr/>
         </p:nvSpPr>
@@ -15386,7 +15339,7 @@
       </p:sp>
       <p:sp>
         <p:nvSpPr>
-          <p:cNvPr id="221" name="The long 20th century will in all likelihood be seen in the future as the watershed in human experience:…"/>
+          <p:cNvPr id="220" name="The long 20th century will in all likelihood be seen in the future as the watershed in human experience:…"/>
           <p:cNvSpPr txBox="1"/>
           <p:nvPr/>
         </p:nvSpPr>
@@ -15580,7 +15533,7 @@
       </p:sp>
       <p:sp>
         <p:nvSpPr>
-          <p:cNvPr id="222" name="Future of Fintech: History III"/>
+          <p:cNvPr id="221" name="Future of Fintech: History III"/>
           <p:cNvSpPr txBox="1"/>
           <p:nvPr>
             <p:ph type="title"/>
@@ -15628,7 +15581,7 @@
       </p:sp>
       <p:sp>
         <p:nvSpPr>
-          <p:cNvPr id="223" name="Brad DeLong delong@econ.berkeley.edu"/>
+          <p:cNvPr id="222" name="Brad DeLong delong@econ.berkeley.edu"/>
           <p:cNvSpPr txBox="1"/>
           <p:nvPr/>
         </p:nvSpPr>
@@ -15714,7 +15667,7 @@
       </p:grpSpPr>
       <p:pic>
         <p:nvPicPr>
-          <p:cNvPr id="225" name="delong-this-is-fine.png" descr="delong-this-is-fine.png"/>
+          <p:cNvPr id="224" name="delong-this-is-fine.png" descr="delong-this-is-fine.png"/>
           <p:cNvPicPr>
             <a:picLocks noChangeAspect="1"/>
           </p:cNvPicPr>
@@ -15745,7 +15698,7 @@
       </p:pic>
       <p:sp>
         <p:nvSpPr>
-          <p:cNvPr id="226" name="2020-10-19"/>
+          <p:cNvPr id="225" name="2020-10-19"/>
           <p:cNvSpPr txBox="1"/>
           <p:nvPr/>
         </p:nvSpPr>
@@ -15801,7 +15754,7 @@
       </p:sp>
       <p:sp>
         <p:nvSpPr>
-          <p:cNvPr id="227" name="The long 20th century will in all likelihood be seen in the future as the watershed in human experience:…"/>
+          <p:cNvPr id="226" name="The long 20th century will in all likelihood be seen in the future as the watershed in human experience:…"/>
           <p:cNvSpPr txBox="1"/>
           <p:nvPr/>
         </p:nvSpPr>
@@ -15869,7 +15822,7 @@
       </p:sp>
       <p:sp>
         <p:nvSpPr>
-          <p:cNvPr id="228" name="Future of Fintech: History IV"/>
+          <p:cNvPr id="227" name="Future of Fintech: History IV"/>
           <p:cNvSpPr txBox="1"/>
           <p:nvPr>
             <p:ph type="title"/>
@@ -15917,7 +15870,7 @@
       </p:sp>
       <p:sp>
         <p:nvSpPr>
-          <p:cNvPr id="229" name="Brad DeLong delong@econ.berkeley.edu"/>
+          <p:cNvPr id="228" name="Brad DeLong delong@econ.berkeley.edu"/>
           <p:cNvSpPr txBox="1"/>
           <p:nvPr/>
         </p:nvSpPr>
@@ -16003,7 +15956,7 @@
       </p:grpSpPr>
       <p:pic>
         <p:nvPicPr>
-          <p:cNvPr id="231" name="delong-this-is-fine.png" descr="delong-this-is-fine.png"/>
+          <p:cNvPr id="230" name="delong-this-is-fine.png" descr="delong-this-is-fine.png"/>
           <p:cNvPicPr>
             <a:picLocks noChangeAspect="1"/>
           </p:cNvPicPr>
@@ -16034,7 +15987,7 @@
       </p:pic>
       <p:sp>
         <p:nvSpPr>
-          <p:cNvPr id="232" name="2020-10-19"/>
+          <p:cNvPr id="231" name="2020-10-19"/>
           <p:cNvSpPr txBox="1"/>
           <p:nvPr/>
         </p:nvSpPr>
@@ -16090,7 +16043,7 @@
       </p:sp>
       <p:sp>
         <p:nvSpPr>
-          <p:cNvPr id="233" name="The long 20th century will in all likelihood be seen in the future as the watershed in human experience:…"/>
+          <p:cNvPr id="232" name="The long 20th century will in all likelihood be seen in the future as the watershed in human experience:…"/>
           <p:cNvSpPr txBox="1"/>
           <p:nvPr/>
         </p:nvSpPr>
@@ -16184,7 +16137,7 @@
       </p:sp>
       <p:sp>
         <p:nvSpPr>
-          <p:cNvPr id="234" name="Mo &amp; Tu 2020-10-19 &amp; -20 Conference Schedule"/>
+          <p:cNvPr id="233" name="Mo &amp; Tu 2020-10-19 &amp; -20 Conference Schedule"/>
           <p:cNvSpPr txBox="1"/>
           <p:nvPr>
             <p:ph type="title"/>
@@ -16232,7 +16185,7 @@
       </p:sp>
       <p:sp>
         <p:nvSpPr>
-          <p:cNvPr id="235" name="Brad DeLong delong@econ.berkeley.edu"/>
+          <p:cNvPr id="234" name="Brad DeLong delong@econ.berkeley.edu"/>
           <p:cNvSpPr txBox="1"/>
           <p:nvPr/>
         </p:nvSpPr>
@@ -16318,7 +16271,7 @@
       </p:grpSpPr>
       <p:pic>
         <p:nvPicPr>
-          <p:cNvPr id="237" name="delong-this-is-fine.png" descr="delong-this-is-fine.png"/>
+          <p:cNvPr id="236" name="delong-this-is-fine.png" descr="delong-this-is-fine.png"/>
           <p:cNvPicPr>
             <a:picLocks noChangeAspect="1"/>
           </p:cNvPicPr>
@@ -16349,7 +16302,7 @@
       </p:pic>
       <p:sp>
         <p:nvSpPr>
-          <p:cNvPr id="238" name="2020-10-19"/>
+          <p:cNvPr id="237" name="2020-10-19"/>
           <p:cNvSpPr txBox="1"/>
           <p:nvPr/>
         </p:nvSpPr>
@@ -16405,7 +16358,7 @@
       </p:sp>
       <p:sp>
         <p:nvSpPr>
-          <p:cNvPr id="239" name="The long 20th century will in all likelihood be seen in the future as the watershed in human experience:…"/>
+          <p:cNvPr id="238" name="The long 20th century will in all likelihood be seen in the future as the watershed in human experience:…"/>
           <p:cNvSpPr txBox="1"/>
           <p:nvPr/>
         </p:nvSpPr>
@@ -16642,7 +16595,7 @@
       </p:sp>
       <p:sp>
         <p:nvSpPr>
-          <p:cNvPr id="240" name="Brief Notes on the History of Fintech"/>
+          <p:cNvPr id="239" name="Brief Notes on the History of Fintech"/>
           <p:cNvSpPr txBox="1"/>
           <p:nvPr>
             <p:ph type="title"/>
@@ -16690,7 +16643,7 @@
       </p:sp>
       <p:sp>
         <p:nvSpPr>
-          <p:cNvPr id="241" name="Brad DeLong delong@econ.berkeley.edu"/>
+          <p:cNvPr id="240" name="Brad DeLong delong@econ.berkeley.edu"/>
           <p:cNvSpPr txBox="1"/>
           <p:nvPr/>
         </p:nvSpPr>
@@ -16750,7 +16703,7 @@
       </p:sp>
       <p:sp>
         <p:nvSpPr>
-          <p:cNvPr id="242" name="The long 20th century will in all likelihood be seen in the future as the watershed in human experience:…"/>
+          <p:cNvPr id="241" name="The long 20th century will in all likelihood be seen in the future as the watershed in human experience:…"/>
           <p:cNvSpPr txBox="1"/>
           <p:nvPr/>
         </p:nvSpPr>
@@ -17089,7 +17042,7 @@
       </p:sp>
       <p:sp>
         <p:nvSpPr>
-          <p:cNvPr id="243" name="The long 20th century will in all likelihood be seen in the future as the watershed in human experience:…"/>
+          <p:cNvPr id="242" name="The long 20th century will in all likelihood be seen in the future as the watershed in human experience:…"/>
           <p:cNvSpPr txBox="1"/>
           <p:nvPr/>
         </p:nvSpPr>
@@ -17349,7 +17302,7 @@
       </p:grpSpPr>
       <p:sp>
         <p:nvSpPr>
-          <p:cNvPr id="245" name="Title 1"/>
+          <p:cNvPr id="244" name="Title 1"/>
           <p:cNvSpPr txBox="1"/>
           <p:nvPr>
             <p:ph type="title"/>
@@ -17386,7 +17339,7 @@
       </p:sp>
       <p:sp>
         <p:nvSpPr>
-          <p:cNvPr id="246" name="Subtitle 2"/>
+          <p:cNvPr id="245" name="Subtitle 2"/>
           <p:cNvSpPr txBox="1"/>
           <p:nvPr>
             <p:ph type="body" sz="half" idx="1"/>
@@ -17510,7 +17463,7 @@
       </p:grpSpPr>
       <p:sp>
         <p:nvSpPr>
-          <p:cNvPr id="248" name="Title 1"/>
+          <p:cNvPr id="247" name="Title 1"/>
           <p:cNvSpPr txBox="1"/>
           <p:nvPr>
             <p:ph type="title"/>
@@ -17543,7 +17496,7 @@
       </p:sp>
       <p:sp>
         <p:nvSpPr>
-          <p:cNvPr id="249" name="Content Placeholder 2"/>
+          <p:cNvPr id="248" name="Content Placeholder 2"/>
           <p:cNvSpPr txBox="1"/>
           <p:nvPr>
             <p:ph type="body" sz="half" idx="1"/>
@@ -17671,7 +17624,7 @@
       </p:grpSpPr>
       <p:sp>
         <p:nvSpPr>
-          <p:cNvPr id="251" name="Title 1"/>
+          <p:cNvPr id="250" name="Title 1"/>
           <p:cNvSpPr txBox="1"/>
           <p:nvPr>
             <p:ph type="title"/>
@@ -17704,7 +17657,7 @@
       </p:sp>
       <p:sp>
         <p:nvSpPr>
-          <p:cNvPr id="252" name="Straight Connector 4"/>
+          <p:cNvPr id="251" name="Straight Connector 4"/>
           <p:cNvSpPr/>
           <p:nvPr/>
         </p:nvSpPr>
@@ -17742,7 +17695,7 @@
       </p:sp>
       <p:sp>
         <p:nvSpPr>
-          <p:cNvPr id="253" name="Straight Connector 5"/>
+          <p:cNvPr id="252" name="Straight Connector 5"/>
           <p:cNvSpPr/>
           <p:nvPr/>
         </p:nvSpPr>
@@ -17780,7 +17733,7 @@
       </p:sp>
       <p:sp>
         <p:nvSpPr>
-          <p:cNvPr id="254" name="Text Box 2"/>
+          <p:cNvPr id="253" name="Text Box 2"/>
           <p:cNvSpPr txBox="1"/>
           <p:nvPr/>
         </p:nvSpPr>
@@ -17834,7 +17787,7 @@
       </p:sp>
       <p:sp>
         <p:nvSpPr>
-          <p:cNvPr id="255" name="Text Box 2"/>
+          <p:cNvPr id="254" name="Text Box 2"/>
           <p:cNvSpPr txBox="1"/>
           <p:nvPr/>
         </p:nvSpPr>
@@ -17888,7 +17841,7 @@
       </p:sp>
       <p:sp>
         <p:nvSpPr>
-          <p:cNvPr id="256" name="Straight Connector 9"/>
+          <p:cNvPr id="255" name="Straight Connector 9"/>
           <p:cNvSpPr/>
           <p:nvPr/>
         </p:nvSpPr>
@@ -17928,7 +17881,7 @@
       </p:sp>
       <p:sp>
         <p:nvSpPr>
-          <p:cNvPr id="257" name="TextBox 19"/>
+          <p:cNvPr id="256" name="TextBox 19"/>
           <p:cNvSpPr txBox="1"/>
           <p:nvPr/>
         </p:nvSpPr>
@@ -17990,7 +17943,7 @@
       </p:sp>
       <p:sp>
         <p:nvSpPr>
-          <p:cNvPr id="258" name="TextBox 10"/>
+          <p:cNvPr id="257" name="TextBox 10"/>
           <p:cNvSpPr txBox="1"/>
           <p:nvPr/>
         </p:nvSpPr>
@@ -18038,7 +17991,7 @@
       </p:sp>
       <p:sp>
         <p:nvSpPr>
-          <p:cNvPr id="259" name="Rectangle 12"/>
+          <p:cNvPr id="258" name="Rectangle 12"/>
           <p:cNvSpPr txBox="1"/>
           <p:nvPr/>
         </p:nvSpPr>
